--- a/Topic C Computers And Society/SIM Swap Fraud.pptx
+++ b/Topic C Computers And Society/SIM Swap Fraud.pptx
@@ -3375,114 +3375,115 @@
           <a:lstStyle/>
           <a:p>
             <a:r>
-              <a:rPr lang="en-US" dirty="0" smtClean="0"/>
+              <a:rPr lang="en-US" sz="2400" dirty="0" smtClean="0"/>
               <a:t>Justin </a:t>
             </a:r>
             <a:r>
-              <a:rPr lang="en-US" dirty="0"/>
+              <a:rPr lang="en-US" sz="2400" dirty="0"/>
               <a:t>Bieber nudes </a:t>
             </a:r>
             <a:r>
-              <a:rPr lang="en-US" dirty="0" smtClean="0"/>
+              <a:rPr lang="en-US" sz="2400" dirty="0" smtClean="0"/>
               <a:t>were </a:t>
             </a:r>
             <a:br>
-              <a:rPr lang="en-US" dirty="0" smtClean="0"/>
+              <a:rPr lang="en-US" sz="2400" dirty="0" smtClean="0"/>
             </a:br>
             <a:r>
-              <a:rPr lang="en-US" dirty="0" smtClean="0"/>
-              <a:t>stolen &amp; </a:t>
-            </a:r>
-            <a:r>
-              <a:rPr lang="en-US" dirty="0" smtClean="0"/>
-              <a:t>released </a:t>
-            </a:r>
-            <a:r>
-              <a:rPr lang="en-US" dirty="0" smtClean="0"/>
-              <a:t>from </a:t>
+              <a:rPr lang="en-US" sz="2400" dirty="0" smtClean="0"/>
+              <a:t>stolen &amp; released from </a:t>
             </a:r>
             <a:br>
-              <a:rPr lang="en-US" dirty="0" smtClean="0"/>
+              <a:rPr lang="en-US" sz="2400" dirty="0" smtClean="0"/>
             </a:br>
             <a:r>
-              <a:rPr lang="en-US" dirty="0" smtClean="0"/>
+              <a:rPr lang="en-US" sz="2400" dirty="0" smtClean="0"/>
               <a:t>Selena </a:t>
             </a:r>
             <a:r>
-              <a:rPr lang="en-US" dirty="0"/>
+              <a:rPr lang="en-US" sz="2400" dirty="0"/>
               <a:t>Gomez’s </a:t>
             </a:r>
             <a:r>
-              <a:rPr lang="en-US" dirty="0" smtClean="0"/>
+              <a:rPr lang="en-US" sz="2400" dirty="0" smtClean="0"/>
               <a:t>accounts.</a:t>
             </a:r>
             <a:r>
-              <a:rPr lang="en-US" dirty="0"/>
+              <a:rPr lang="en-US" sz="2400" dirty="0"/>
               <a:t> </a:t>
             </a:r>
           </a:p>
           <a:p>
-            <a:endParaRPr lang="en-US" dirty="0"/>
-          </a:p>
-          <a:p>
-            <a:r>
-              <a:rPr lang="en-US" dirty="0" smtClean="0"/>
+            <a:endParaRPr lang="en-US" sz="2400" dirty="0"/>
+          </a:p>
+          <a:p>
+            <a:r>
+              <a:rPr lang="en-US" sz="2400" dirty="0" smtClean="0"/>
               <a:t>This </a:t>
             </a:r>
             <a:r>
-              <a:rPr lang="en-US" dirty="0"/>
+              <a:rPr lang="en-US" sz="2400" dirty="0"/>
               <a:t>week </a:t>
             </a:r>
             <a:r>
-              <a:rPr lang="en-US" dirty="0" smtClean="0"/>
+              <a:rPr lang="en-US" sz="2400" dirty="0" smtClean="0"/>
               <a:t>a </a:t>
             </a:r>
             <a:r>
-              <a:rPr lang="en-US" dirty="0" err="1" smtClean="0"/>
+              <a:rPr lang="en-US" sz="2400" dirty="0" err="1" smtClean="0"/>
               <a:t>BitCoin</a:t>
             </a:r>
             <a:r>
-              <a:rPr lang="en-US" dirty="0" smtClean="0"/>
+              <a:rPr lang="en-US" sz="2400" dirty="0" smtClean="0"/>
               <a:t> investor </a:t>
             </a:r>
             <a:br>
-              <a:rPr lang="en-US" dirty="0" smtClean="0"/>
+              <a:rPr lang="en-US" sz="2400" dirty="0" smtClean="0"/>
             </a:br>
             <a:r>
-              <a:rPr lang="en-US" dirty="0" smtClean="0"/>
+              <a:rPr lang="en-US" sz="2400" dirty="0" smtClean="0"/>
               <a:t>filed a Lawsuit against AT&amp;T </a:t>
             </a:r>
             <a:br>
-              <a:rPr lang="en-US" dirty="0" smtClean="0"/>
+              <a:rPr lang="en-US" sz="2400" dirty="0" smtClean="0"/>
             </a:br>
             <a:r>
-              <a:rPr lang="en-US" dirty="0" smtClean="0"/>
+              <a:rPr lang="en-US" sz="2400" dirty="0" smtClean="0"/>
               <a:t>for the theft </a:t>
             </a:r>
             <a:r>
-              <a:rPr lang="en-US" dirty="0"/>
+              <a:rPr lang="en-US" sz="2400" dirty="0"/>
               <a:t>of </a:t>
             </a:r>
             <a:r>
-              <a:rPr lang="en-US" dirty="0" smtClean="0"/>
+              <a:rPr lang="en-US" sz="2400" dirty="0" smtClean="0"/>
               <a:t>$620,000 </a:t>
             </a:r>
             <a:br>
-              <a:rPr lang="en-US" dirty="0" smtClean="0"/>
+              <a:rPr lang="en-US" sz="2400" dirty="0" smtClean="0"/>
             </a:br>
             <a:r>
-              <a:rPr lang="en-US" dirty="0" smtClean="0"/>
+              <a:rPr lang="en-US" sz="2400" dirty="0" smtClean="0"/>
               <a:t>worth </a:t>
             </a:r>
             <a:r>
-              <a:rPr lang="en-US" dirty="0"/>
+              <a:rPr lang="en-US" sz="2400" dirty="0"/>
               <a:t>of </a:t>
             </a:r>
             <a:r>
-              <a:rPr lang="en-US" dirty="0" smtClean="0"/>
+              <a:rPr lang="en-US" sz="2400" dirty="0" smtClean="0"/>
               <a:t>tokens</a:t>
             </a:r>
-            <a:endParaRPr lang="en-US" dirty="0"/>
+          </a:p>
+          <a:p>
+            <a:endParaRPr lang="en-CA" sz="2400" dirty="0"/>
+          </a:p>
+          <a:p>
+            <a:r>
+              <a:rPr lang="en-CA" sz="2400" dirty="0" smtClean="0"/>
+              <a:t>Stealing and reselling “OG” user accounts (e.g. “@Fearless”)</a:t>
+            </a:r>
+            <a:endParaRPr lang="en-US" sz="2400" dirty="0"/>
           </a:p>
           <a:p>
             <a:endParaRPr lang="en-US" dirty="0"/>
@@ -3512,7 +3513,7 @@
         </p:blipFill>
         <p:spPr bwMode="auto">
           <a:xfrm>
-            <a:off x="5401945" y="1825625"/>
+            <a:off x="4921885" y="1917065"/>
             <a:ext cx="3369308" cy="2526981"/>
           </a:xfrm>
           <a:prstGeom prst="rect">
